--- a/assembly/pictures/pdf/IncreasingDifficulty3.pptx
+++ b/assembly/pictures/pdf/IncreasingDifficulty3.pptx
@@ -10,7 +10,7 @@
   <p:sldIdLst>
     <p:sldId id="256" r:id="rId2"/>
   </p:sldIdLst>
-  <p:sldSz cx="8961438" cy="2011363"/>
+  <p:sldSz cx="8961438" cy="1828800"/>
   <p:notesSz cx="6858000" cy="9144000"/>
   <p:defaultTextStyle>
     <a:defPPr>
@@ -192,7 +192,7 @@
           <a:p>
             <a:fld id="{29A15232-7732-E94A-951B-2AD03E6850F8}" type="datetimeFigureOut">
               <a:rPr lang="en-US" smtClean="0"/>
-              <a:t>2/14/17</a:t>
+              <a:t>5/3/17</a:t>
             </a:fld>
             <a:endParaRPr lang="en-US"/>
           </a:p>
@@ -210,8 +210,8 @@
         </p:nvSpPr>
         <p:spPr>
           <a:xfrm>
-            <a:off x="-4210050" y="685800"/>
-            <a:ext cx="15278100" cy="3429000"/>
+            <a:off x="-4972050" y="685800"/>
+            <a:ext cx="16802100" cy="3429000"/>
           </a:xfrm>
           <a:prstGeom prst="rect">
             <a:avLst/>
@@ -489,8 +489,8 @@
         </p:nvSpPr>
         <p:spPr>
           <a:xfrm>
-            <a:off x="-4210050" y="685800"/>
-            <a:ext cx="15278100" cy="3429000"/>
+            <a:off x="-4972050" y="685800"/>
+            <a:ext cx="16802100" cy="3429000"/>
           </a:xfrm>
         </p:spPr>
       </p:sp>
@@ -604,8 +604,8 @@
         </p:nvSpPr>
         <p:spPr>
           <a:xfrm>
-            <a:off x="672108" y="624827"/>
-            <a:ext cx="7617222" cy="431140"/>
+            <a:off x="672108" y="568114"/>
+            <a:ext cx="7617222" cy="392007"/>
           </a:xfrm>
         </p:spPr>
         <p:txBody>
@@ -632,8 +632,8 @@
         </p:nvSpPr>
         <p:spPr>
           <a:xfrm>
-            <a:off x="1344222" y="1139772"/>
-            <a:ext cx="6273007" cy="514015"/>
+            <a:off x="1344222" y="1036320"/>
+            <a:ext cx="6273007" cy="467360"/>
           </a:xfrm>
         </p:spPr>
         <p:txBody>
@@ -756,7 +756,7 @@
           <a:p>
             <a:fld id="{7043EB36-D168-6042-B445-1E6BEF1C6D80}" type="datetimeFigureOut">
               <a:rPr lang="en-US" smtClean="0"/>
-              <a:t>2/11/17</a:t>
+              <a:t>5/3/17</a:t>
             </a:fld>
             <a:endParaRPr lang="en-US"/>
           </a:p>
@@ -926,7 +926,7 @@
           <a:p>
             <a:fld id="{7043EB36-D168-6042-B445-1E6BEF1C6D80}" type="datetimeFigureOut">
               <a:rPr lang="en-US" smtClean="0"/>
-              <a:t>2/11/17</a:t>
+              <a:t>5/3/17</a:t>
             </a:fld>
             <a:endParaRPr lang="en-US"/>
           </a:p>
@@ -1016,8 +1016,8 @@
         </p:nvSpPr>
         <p:spPr>
           <a:xfrm>
-            <a:off x="6497042" y="80549"/>
-            <a:ext cx="2016324" cy="1716177"/>
+            <a:off x="6497042" y="73238"/>
+            <a:ext cx="2016324" cy="1560407"/>
           </a:xfrm>
         </p:spPr>
         <p:txBody>
@@ -1044,8 +1044,8 @@
         </p:nvSpPr>
         <p:spPr>
           <a:xfrm>
-            <a:off x="448078" y="80549"/>
-            <a:ext cx="5899613" cy="1716177"/>
+            <a:off x="448079" y="73238"/>
+            <a:ext cx="5899613" cy="1560407"/>
           </a:xfrm>
         </p:spPr>
         <p:txBody>
@@ -1106,7 +1106,7 @@
           <a:p>
             <a:fld id="{7043EB36-D168-6042-B445-1E6BEF1C6D80}" type="datetimeFigureOut">
               <a:rPr lang="en-US" smtClean="0"/>
-              <a:t>2/11/17</a:t>
+              <a:t>5/3/17</a:t>
             </a:fld>
             <a:endParaRPr lang="en-US"/>
           </a:p>
@@ -1276,7 +1276,7 @@
           <a:p>
             <a:fld id="{7043EB36-D168-6042-B445-1E6BEF1C6D80}" type="datetimeFigureOut">
               <a:rPr lang="en-US" smtClean="0"/>
-              <a:t>2/11/17</a:t>
+              <a:t>5/3/17</a:t>
             </a:fld>
             <a:endParaRPr lang="en-US"/>
           </a:p>
@@ -1366,8 +1366,8 @@
         </p:nvSpPr>
         <p:spPr>
           <a:xfrm>
-            <a:off x="707892" y="1292489"/>
-            <a:ext cx="7617222" cy="399479"/>
+            <a:off x="707892" y="1175176"/>
+            <a:ext cx="7617222" cy="363220"/>
           </a:xfrm>
         </p:spPr>
         <p:txBody>
@@ -1398,8 +1398,8 @@
         </p:nvSpPr>
         <p:spPr>
           <a:xfrm>
-            <a:off x="707892" y="852503"/>
-            <a:ext cx="7617222" cy="439986"/>
+            <a:off x="707892" y="775125"/>
+            <a:ext cx="7617222" cy="400050"/>
           </a:xfrm>
         </p:spPr>
         <p:txBody>
@@ -1522,7 +1522,7 @@
           <a:p>
             <a:fld id="{7043EB36-D168-6042-B445-1E6BEF1C6D80}" type="datetimeFigureOut">
               <a:rPr lang="en-US" smtClean="0"/>
-              <a:t>2/11/17</a:t>
+              <a:t>5/3/17</a:t>
             </a:fld>
             <a:endParaRPr lang="en-US"/>
           </a:p>
@@ -1635,8 +1635,8 @@
         </p:nvSpPr>
         <p:spPr>
           <a:xfrm>
-            <a:off x="448072" y="469320"/>
-            <a:ext cx="3957968" cy="1327406"/>
+            <a:off x="448072" y="426722"/>
+            <a:ext cx="3957968" cy="1206923"/>
           </a:xfrm>
         </p:spPr>
         <p:txBody>
@@ -1720,8 +1720,8 @@
         </p:nvSpPr>
         <p:spPr>
           <a:xfrm>
-            <a:off x="4555398" y="469320"/>
-            <a:ext cx="3957968" cy="1327406"/>
+            <a:off x="4555398" y="426722"/>
+            <a:ext cx="3957968" cy="1206923"/>
           </a:xfrm>
         </p:spPr>
         <p:txBody>
@@ -1810,7 +1810,7 @@
           <a:p>
             <a:fld id="{7043EB36-D168-6042-B445-1E6BEF1C6D80}" type="datetimeFigureOut">
               <a:rPr lang="en-US" smtClean="0"/>
-              <a:t>2/11/17</a:t>
+              <a:t>5/3/17</a:t>
             </a:fld>
             <a:endParaRPr lang="en-US"/>
           </a:p>
@@ -1927,8 +1927,8 @@
         </p:nvSpPr>
         <p:spPr>
           <a:xfrm>
-            <a:off x="448078" y="450231"/>
-            <a:ext cx="3959525" cy="187634"/>
+            <a:off x="448079" y="409366"/>
+            <a:ext cx="3959525" cy="170603"/>
           </a:xfrm>
         </p:spPr>
         <p:txBody>
@@ -1992,8 +1992,8 @@
         </p:nvSpPr>
         <p:spPr>
           <a:xfrm>
-            <a:off x="448078" y="637865"/>
-            <a:ext cx="3959525" cy="1158862"/>
+            <a:off x="448079" y="579969"/>
+            <a:ext cx="3959525" cy="1053677"/>
           </a:xfrm>
         </p:spPr>
         <p:txBody>
@@ -2077,8 +2077,8 @@
         </p:nvSpPr>
         <p:spPr>
           <a:xfrm>
-            <a:off x="4552287" y="450231"/>
-            <a:ext cx="3961080" cy="187634"/>
+            <a:off x="4552287" y="409366"/>
+            <a:ext cx="3961080" cy="170603"/>
           </a:xfrm>
         </p:spPr>
         <p:txBody>
@@ -2142,8 +2142,8 @@
         </p:nvSpPr>
         <p:spPr>
           <a:xfrm>
-            <a:off x="4552287" y="637865"/>
-            <a:ext cx="3961080" cy="1158862"/>
+            <a:off x="4552287" y="579969"/>
+            <a:ext cx="3961080" cy="1053677"/>
           </a:xfrm>
         </p:spPr>
         <p:txBody>
@@ -2232,7 +2232,7 @@
           <a:p>
             <a:fld id="{7043EB36-D168-6042-B445-1E6BEF1C6D80}" type="datetimeFigureOut">
               <a:rPr lang="en-US" smtClean="0"/>
-              <a:t>2/11/17</a:t>
+              <a:t>5/3/17</a:t>
             </a:fld>
             <a:endParaRPr lang="en-US"/>
           </a:p>
@@ -2350,7 +2350,7 @@
           <a:p>
             <a:fld id="{7043EB36-D168-6042-B445-1E6BEF1C6D80}" type="datetimeFigureOut">
               <a:rPr lang="en-US" smtClean="0"/>
-              <a:t>2/11/17</a:t>
+              <a:t>5/3/17</a:t>
             </a:fld>
             <a:endParaRPr lang="en-US"/>
           </a:p>
@@ -2445,7 +2445,7 @@
           <a:p>
             <a:fld id="{7043EB36-D168-6042-B445-1E6BEF1C6D80}" type="datetimeFigureOut">
               <a:rPr lang="en-US" smtClean="0"/>
-              <a:t>2/11/17</a:t>
+              <a:t>5/3/17</a:t>
             </a:fld>
             <a:endParaRPr lang="en-US"/>
           </a:p>
@@ -2535,8 +2535,8 @@
         </p:nvSpPr>
         <p:spPr>
           <a:xfrm>
-            <a:off x="448076" y="80082"/>
-            <a:ext cx="2948251" cy="340814"/>
+            <a:off x="448076" y="72813"/>
+            <a:ext cx="2948251" cy="309880"/>
           </a:xfrm>
         </p:spPr>
         <p:txBody>
@@ -2567,8 +2567,8 @@
         </p:nvSpPr>
         <p:spPr>
           <a:xfrm>
-            <a:off x="3503679" y="80083"/>
-            <a:ext cx="5009693" cy="1716644"/>
+            <a:off x="3503679" y="72814"/>
+            <a:ext cx="5009693" cy="1560831"/>
           </a:xfrm>
         </p:spPr>
         <p:txBody>
@@ -2652,8 +2652,8 @@
         </p:nvSpPr>
         <p:spPr>
           <a:xfrm>
-            <a:off x="448076" y="420898"/>
-            <a:ext cx="2948251" cy="1375829"/>
+            <a:off x="448076" y="382695"/>
+            <a:ext cx="2948251" cy="1250951"/>
           </a:xfrm>
         </p:spPr>
         <p:txBody>
@@ -2722,7 +2722,7 @@
           <a:p>
             <a:fld id="{7043EB36-D168-6042-B445-1E6BEF1C6D80}" type="datetimeFigureOut">
               <a:rPr lang="en-US" smtClean="0"/>
-              <a:t>2/11/17</a:t>
+              <a:t>5/3/17</a:t>
             </a:fld>
             <a:endParaRPr lang="en-US"/>
           </a:p>
@@ -2812,8 +2812,8 @@
         </p:nvSpPr>
         <p:spPr>
           <a:xfrm>
-            <a:off x="1756510" y="1407954"/>
-            <a:ext cx="5376863" cy="166217"/>
+            <a:off x="1756511" y="1280160"/>
+            <a:ext cx="5376863" cy="151130"/>
           </a:xfrm>
         </p:spPr>
         <p:txBody>
@@ -2844,8 +2844,8 @@
         </p:nvSpPr>
         <p:spPr>
           <a:xfrm>
-            <a:off x="1756510" y="179719"/>
-            <a:ext cx="5376863" cy="1206818"/>
+            <a:off x="1756511" y="163407"/>
+            <a:ext cx="5376863" cy="1097280"/>
           </a:xfrm>
         </p:spPr>
         <p:txBody>
@@ -2905,8 +2905,8 @@
         </p:nvSpPr>
         <p:spPr>
           <a:xfrm>
-            <a:off x="1756510" y="1574173"/>
-            <a:ext cx="5376863" cy="236056"/>
+            <a:off x="1756511" y="1431292"/>
+            <a:ext cx="5376863" cy="214630"/>
           </a:xfrm>
         </p:spPr>
         <p:txBody>
@@ -2975,7 +2975,7 @@
           <a:p>
             <a:fld id="{7043EB36-D168-6042-B445-1E6BEF1C6D80}" type="datetimeFigureOut">
               <a:rPr lang="en-US" smtClean="0"/>
-              <a:t>2/11/17</a:t>
+              <a:t>5/3/17</a:t>
             </a:fld>
             <a:endParaRPr lang="en-US"/>
           </a:p>
@@ -3070,8 +3070,8 @@
         </p:nvSpPr>
         <p:spPr>
           <a:xfrm>
-            <a:off x="448072" y="80548"/>
-            <a:ext cx="8065294" cy="335227"/>
+            <a:off x="448072" y="73237"/>
+            <a:ext cx="8065294" cy="304800"/>
           </a:xfrm>
           <a:prstGeom prst="rect">
             <a:avLst/>
@@ -3103,8 +3103,8 @@
         </p:nvSpPr>
         <p:spPr>
           <a:xfrm>
-            <a:off x="448072" y="469320"/>
-            <a:ext cx="8065294" cy="1327406"/>
+            <a:off x="448072" y="426722"/>
+            <a:ext cx="8065294" cy="1206923"/>
           </a:xfrm>
           <a:prstGeom prst="rect">
             <a:avLst/>
@@ -3165,8 +3165,8 @@
         </p:nvSpPr>
         <p:spPr>
           <a:xfrm>
-            <a:off x="448072" y="1864236"/>
-            <a:ext cx="2091002" cy="107087"/>
+            <a:off x="448072" y="1695028"/>
+            <a:ext cx="2091002" cy="97367"/>
           </a:xfrm>
           <a:prstGeom prst="rect">
             <a:avLst/>
@@ -3188,7 +3188,7 @@
           <a:p>
             <a:fld id="{7043EB36-D168-6042-B445-1E6BEF1C6D80}" type="datetimeFigureOut">
               <a:rPr lang="en-US" smtClean="0"/>
-              <a:t>2/11/17</a:t>
+              <a:t>5/3/17</a:t>
             </a:fld>
             <a:endParaRPr lang="en-US"/>
           </a:p>
@@ -3206,8 +3206,8 @@
         </p:nvSpPr>
         <p:spPr>
           <a:xfrm>
-            <a:off x="3061831" y="1864236"/>
-            <a:ext cx="2837789" cy="107087"/>
+            <a:off x="3061831" y="1695028"/>
+            <a:ext cx="2837789" cy="97367"/>
           </a:xfrm>
           <a:prstGeom prst="rect">
             <a:avLst/>
@@ -3243,8 +3243,8 @@
         </p:nvSpPr>
         <p:spPr>
           <a:xfrm>
-            <a:off x="6422364" y="1864236"/>
-            <a:ext cx="2091002" cy="107087"/>
+            <a:off x="6422364" y="1695028"/>
+            <a:ext cx="2091002" cy="97367"/>
           </a:xfrm>
           <a:prstGeom prst="rect">
             <a:avLst/>
@@ -3565,14 +3565,14 @@
       </p:grpSpPr>
       <p:sp>
         <p:nvSpPr>
-          <p:cNvPr id="59" name="TextBox 58"/>
+          <p:cNvPr id="8" name="TextBox 7"/>
           <p:cNvSpPr txBox="1"/>
           <p:nvPr/>
         </p:nvSpPr>
         <p:spPr>
           <a:xfrm>
-            <a:off x="3851" y="1441665"/>
-            <a:ext cx="873534" cy="646331"/>
+            <a:off x="3851" y="1422132"/>
+            <a:ext cx="873534" cy="461665"/>
           </a:xfrm>
           <a:prstGeom prst="rect">
             <a:avLst/>
@@ -3587,13 +3587,13 @@
           <a:p>
             <a:pPr algn="ctr"/>
             <a:r>
-              <a:rPr lang="en-US" sz="3600" dirty="0" smtClean="0">
+              <a:rPr lang="en-US" sz="2400" dirty="0" smtClean="0">
                 <a:latin typeface="Times New Roman"/>
                 <a:cs typeface="Times New Roman"/>
               </a:rPr>
               <a:t>1</a:t>
             </a:r>
-            <a:endParaRPr lang="en-US" sz="3600" dirty="0">
+            <a:endParaRPr lang="en-US" sz="2400" dirty="0">
               <a:latin typeface="Times New Roman"/>
               <a:cs typeface="Times New Roman"/>
             </a:endParaRPr>
@@ -3602,14 +3602,14 @@
       </p:sp>
       <p:sp>
         <p:nvSpPr>
-          <p:cNvPr id="60" name="TextBox 59"/>
+          <p:cNvPr id="9" name="TextBox 8"/>
           <p:cNvSpPr txBox="1"/>
           <p:nvPr/>
         </p:nvSpPr>
         <p:spPr>
           <a:xfrm>
-            <a:off x="1189086" y="1441665"/>
-            <a:ext cx="865839" cy="646331"/>
+            <a:off x="1189086" y="1422132"/>
+            <a:ext cx="865839" cy="461665"/>
           </a:xfrm>
           <a:prstGeom prst="rect">
             <a:avLst/>
@@ -3624,13 +3624,13 @@
           <a:p>
             <a:pPr algn="ctr"/>
             <a:r>
-              <a:rPr lang="en-US" sz="3600" dirty="0" smtClean="0">
+              <a:rPr lang="en-US" sz="2400" dirty="0" smtClean="0">
                 <a:latin typeface="Times New Roman"/>
                 <a:cs typeface="Times New Roman"/>
               </a:rPr>
               <a:t>2</a:t>
             </a:r>
-            <a:endParaRPr lang="en-US" sz="3600" dirty="0">
+            <a:endParaRPr lang="en-US" sz="2400" dirty="0">
               <a:latin typeface="Times New Roman"/>
               <a:cs typeface="Times New Roman"/>
             </a:endParaRPr>
@@ -3639,14 +3639,14 @@
       </p:sp>
       <p:sp>
         <p:nvSpPr>
-          <p:cNvPr id="61" name="TextBox 60"/>
+          <p:cNvPr id="10" name="TextBox 9"/>
           <p:cNvSpPr txBox="1"/>
           <p:nvPr/>
         </p:nvSpPr>
         <p:spPr>
           <a:xfrm>
-            <a:off x="2412807" y="1441665"/>
-            <a:ext cx="2020292" cy="646331"/>
+            <a:off x="2412807" y="1422132"/>
+            <a:ext cx="2020292" cy="461665"/>
           </a:xfrm>
           <a:prstGeom prst="rect">
             <a:avLst/>
@@ -3661,13 +3661,13 @@
           <a:p>
             <a:pPr algn="ctr"/>
             <a:r>
-              <a:rPr lang="en-US" sz="3600" dirty="0" smtClean="0">
+              <a:rPr lang="en-US" sz="2400" dirty="0" smtClean="0">
                 <a:latin typeface="Times New Roman"/>
                 <a:cs typeface="Times New Roman"/>
               </a:rPr>
               <a:t>3</a:t>
             </a:r>
-            <a:endParaRPr lang="en-US" sz="3600" dirty="0">
+            <a:endParaRPr lang="en-US" sz="2400" dirty="0">
               <a:latin typeface="Times New Roman"/>
               <a:cs typeface="Times New Roman"/>
             </a:endParaRPr>
@@ -3676,14 +3676,14 @@
       </p:sp>
       <p:sp>
         <p:nvSpPr>
-          <p:cNvPr id="62" name="TextBox 61"/>
+          <p:cNvPr id="11" name="TextBox 10"/>
           <p:cNvSpPr txBox="1"/>
           <p:nvPr/>
         </p:nvSpPr>
         <p:spPr>
           <a:xfrm>
-            <a:off x="4814068" y="1441665"/>
-            <a:ext cx="1800946" cy="646331"/>
+            <a:off x="4814068" y="1422132"/>
+            <a:ext cx="1800946" cy="461665"/>
           </a:xfrm>
           <a:prstGeom prst="rect">
             <a:avLst/>
@@ -3698,13 +3698,13 @@
           <a:p>
             <a:pPr algn="ctr"/>
             <a:r>
-              <a:rPr lang="en-US" sz="3600" dirty="0" smtClean="0">
+              <a:rPr lang="en-US" sz="2400" dirty="0" smtClean="0">
                 <a:latin typeface="Times New Roman"/>
                 <a:cs typeface="Times New Roman"/>
               </a:rPr>
               <a:t>4</a:t>
             </a:r>
-            <a:endParaRPr lang="en-US" sz="3600" dirty="0">
+            <a:endParaRPr lang="en-US" sz="2400" dirty="0">
               <a:latin typeface="Times New Roman"/>
               <a:cs typeface="Times New Roman"/>
             </a:endParaRPr>
@@ -3713,7 +3713,7 @@
       </p:sp>
       <p:pic>
         <p:nvPicPr>
-          <p:cNvPr id="63" name="Picture 62" descr="IncreasingDifficulty2.pdf"/>
+          <p:cNvPr id="12" name="Picture 11" descr="IncreasingDifficulty2.pdf"/>
           <p:cNvPicPr>
             <a:picLocks noChangeAspect="1"/>
           </p:cNvPicPr>
@@ -3743,14 +3743,14 @@
       </p:pic>
       <p:sp>
         <p:nvSpPr>
-          <p:cNvPr id="64" name="TextBox 63"/>
+          <p:cNvPr id="13" name="TextBox 12"/>
           <p:cNvSpPr txBox="1"/>
           <p:nvPr/>
         </p:nvSpPr>
         <p:spPr>
           <a:xfrm>
-            <a:off x="6940582" y="1441665"/>
-            <a:ext cx="2020856" cy="646331"/>
+            <a:off x="6940582" y="1422132"/>
+            <a:ext cx="2020856" cy="461665"/>
           </a:xfrm>
           <a:prstGeom prst="rect">
             <a:avLst/>
@@ -3765,13 +3765,13 @@
           <a:p>
             <a:pPr algn="ctr"/>
             <a:r>
-              <a:rPr lang="en-US" sz="3600" dirty="0" smtClean="0">
+              <a:rPr lang="en-US" sz="2400" dirty="0" smtClean="0">
                 <a:latin typeface="Times New Roman"/>
                 <a:cs typeface="Times New Roman"/>
               </a:rPr>
               <a:t>5</a:t>
             </a:r>
-            <a:endParaRPr lang="en-US" sz="3600" dirty="0">
+            <a:endParaRPr lang="en-US" sz="2400" dirty="0">
               <a:latin typeface="Times New Roman"/>
               <a:cs typeface="Times New Roman"/>
             </a:endParaRPr>
